--- a/presentazione/PresentazioneRobertazziBarberisBD2Final.pptx
+++ b/presentazione/PresentazioneRobertazziBarberisBD2Final.pptx
@@ -216,7 +216,7 @@
           <a:p>
             <a:fld id="{D622C3FA-982E-4B88-BA8F-49EF99B20714}" type="datetimeFigureOut">
               <a:rPr lang="it-IT" smtClean="0"/>
-              <a:t>17/07/2021</a:t>
+              <a:t>19/07/2021</a:t>
             </a:fld>
             <a:endParaRPr lang="it-IT"/>
           </a:p>
@@ -717,7 +717,7 @@
           <a:p>
             <a:fld id="{5B06769F-E151-44AC-BEDF-94AE7E6C1FA2}" type="datetimeFigureOut">
               <a:rPr lang="it-IT" smtClean="0"/>
-              <a:t>17/07/2021</a:t>
+              <a:t>19/07/2021</a:t>
             </a:fld>
             <a:endParaRPr lang="it-IT"/>
           </a:p>
@@ -915,7 +915,7 @@
           <a:p>
             <a:fld id="{5B06769F-E151-44AC-BEDF-94AE7E6C1FA2}" type="datetimeFigureOut">
               <a:rPr lang="it-IT" smtClean="0"/>
-              <a:t>17/07/2021</a:t>
+              <a:t>19/07/2021</a:t>
             </a:fld>
             <a:endParaRPr lang="it-IT"/>
           </a:p>
@@ -1123,7 +1123,7 @@
           <a:p>
             <a:fld id="{5B06769F-E151-44AC-BEDF-94AE7E6C1FA2}" type="datetimeFigureOut">
               <a:rPr lang="it-IT" smtClean="0"/>
-              <a:t>17/07/2021</a:t>
+              <a:t>19/07/2021</a:t>
             </a:fld>
             <a:endParaRPr lang="it-IT"/>
           </a:p>
@@ -1321,7 +1321,7 @@
           <a:p>
             <a:fld id="{5B06769F-E151-44AC-BEDF-94AE7E6C1FA2}" type="datetimeFigureOut">
               <a:rPr lang="it-IT" smtClean="0"/>
-              <a:t>17/07/2021</a:t>
+              <a:t>19/07/2021</a:t>
             </a:fld>
             <a:endParaRPr lang="it-IT"/>
           </a:p>
@@ -1596,7 +1596,7 @@
           <a:p>
             <a:fld id="{5B06769F-E151-44AC-BEDF-94AE7E6C1FA2}" type="datetimeFigureOut">
               <a:rPr lang="it-IT" smtClean="0"/>
-              <a:t>17/07/2021</a:t>
+              <a:t>19/07/2021</a:t>
             </a:fld>
             <a:endParaRPr lang="it-IT"/>
           </a:p>
@@ -1861,7 +1861,7 @@
           <a:p>
             <a:fld id="{5B06769F-E151-44AC-BEDF-94AE7E6C1FA2}" type="datetimeFigureOut">
               <a:rPr lang="it-IT" smtClean="0"/>
-              <a:t>17/07/2021</a:t>
+              <a:t>19/07/2021</a:t>
             </a:fld>
             <a:endParaRPr lang="it-IT"/>
           </a:p>
@@ -2273,7 +2273,7 @@
           <a:p>
             <a:fld id="{5B06769F-E151-44AC-BEDF-94AE7E6C1FA2}" type="datetimeFigureOut">
               <a:rPr lang="it-IT" smtClean="0"/>
-              <a:t>17/07/2021</a:t>
+              <a:t>19/07/2021</a:t>
             </a:fld>
             <a:endParaRPr lang="it-IT"/>
           </a:p>
@@ -2414,7 +2414,7 @@
           <a:p>
             <a:fld id="{5B06769F-E151-44AC-BEDF-94AE7E6C1FA2}" type="datetimeFigureOut">
               <a:rPr lang="it-IT" smtClean="0"/>
-              <a:t>17/07/2021</a:t>
+              <a:t>19/07/2021</a:t>
             </a:fld>
             <a:endParaRPr lang="it-IT"/>
           </a:p>
@@ -2527,7 +2527,7 @@
           <a:p>
             <a:fld id="{5B06769F-E151-44AC-BEDF-94AE7E6C1FA2}" type="datetimeFigureOut">
               <a:rPr lang="it-IT" smtClean="0"/>
-              <a:t>17/07/2021</a:t>
+              <a:t>19/07/2021</a:t>
             </a:fld>
             <a:endParaRPr lang="it-IT"/>
           </a:p>
@@ -2838,7 +2838,7 @@
           <a:p>
             <a:fld id="{5B06769F-E151-44AC-BEDF-94AE7E6C1FA2}" type="datetimeFigureOut">
               <a:rPr lang="it-IT" smtClean="0"/>
-              <a:t>17/07/2021</a:t>
+              <a:t>19/07/2021</a:t>
             </a:fld>
             <a:endParaRPr lang="it-IT"/>
           </a:p>
@@ -3126,7 +3126,7 @@
           <a:p>
             <a:fld id="{5B06769F-E151-44AC-BEDF-94AE7E6C1FA2}" type="datetimeFigureOut">
               <a:rPr lang="it-IT" smtClean="0"/>
-              <a:t>17/07/2021</a:t>
+              <a:t>19/07/2021</a:t>
             </a:fld>
             <a:endParaRPr lang="it-IT"/>
           </a:p>
@@ -3367,7 +3367,7 @@
           <a:p>
             <a:fld id="{5B06769F-E151-44AC-BEDF-94AE7E6C1FA2}" type="datetimeFigureOut">
               <a:rPr lang="it-IT" smtClean="0"/>
-              <a:t>17/07/2021</a:t>
+              <a:t>19/07/2021</a:t>
             </a:fld>
             <a:endParaRPr lang="it-IT"/>
           </a:p>
@@ -5143,7 +5143,7 @@
       </p:pic>
       <p:pic>
         <p:nvPicPr>
-          <p:cNvPr id="3" name="Immagine 2" descr="Immagine che contiene testo&#10;&#10;Descrizione generata automaticamente">
+          <p:cNvPr id="3" name="Immagine 2">
             <a:extLst>
               <a:ext uri="{FF2B5EF4-FFF2-40B4-BE49-F238E27FC236}">
                 <a16:creationId xmlns:a16="http://schemas.microsoft.com/office/drawing/2014/main" id="{2B3C1249-E4CB-4E63-A591-643DD21C1F2C}"/>
@@ -5163,14 +5163,13 @@
               </a:ext>
             </a:extLst>
           </a:blip>
-          <a:stretch>
-            <a:fillRect/>
-          </a:stretch>
+          <a:srcRect t="4462" b="4462"/>
+          <a:stretch/>
         </p:blipFill>
         <p:spPr>
           <a:xfrm>
-            <a:off x="1787477" y="2131609"/>
-            <a:ext cx="8552421" cy="4286848"/>
+            <a:off x="1603828" y="2131609"/>
+            <a:ext cx="8984343" cy="4286848"/>
           </a:xfrm>
           <a:prstGeom prst="roundRect">
             <a:avLst>
@@ -9052,9 +9051,8 @@
               </a:ext>
             </a:extLst>
           </a:blip>
-          <a:stretch>
-            <a:fillRect/>
-          </a:stretch>
+          <a:srcRect/>
+          <a:stretch/>
         </p:blipFill>
         <p:spPr>
           <a:xfrm>
@@ -9510,9 +9508,8 @@
               </a:ext>
             </a:extLst>
           </a:blip>
-          <a:stretch>
-            <a:fillRect/>
-          </a:stretch>
+          <a:srcRect/>
+          <a:stretch/>
         </p:blipFill>
         <p:spPr>
           <a:xfrm>
@@ -11123,7 +11120,7 @@
         <p:spPr>
           <a:xfrm>
             <a:off x="521178" y="4415148"/>
-            <a:ext cx="7676482" cy="1173236"/>
+            <a:ext cx="7757060" cy="1173236"/>
           </a:xfrm>
           <a:prstGeom prst="rect">
             <a:avLst/>
@@ -11330,7 +11327,7 @@
                 </a:solidFill>
                 <a:latin typeface="Lato"/>
               </a:rPr>
-              <a:t>rows</a:t>
+              <a:t>tuple</a:t>
             </a:r>
             <a:r>
               <a:rPr lang="it-IT" sz="2400" dirty="0">
@@ -11354,7 +11351,7 @@
                 </a:solidFill>
                 <a:latin typeface="Lato"/>
               </a:rPr>
-              <a:t>rows</a:t>
+              <a:t>tuple</a:t>
             </a:r>
             <a:r>
               <a:rPr lang="it-IT" sz="2400" dirty="0">
@@ -11378,7 +11375,7 @@
                 </a:solidFill>
                 <a:latin typeface="Lato"/>
               </a:rPr>
-              <a:t>rows</a:t>
+              <a:t>tuple</a:t>
             </a:r>
             <a:r>
               <a:rPr lang="it-IT" sz="2400" dirty="0">
@@ -47677,25 +47674,74 @@
             </a:lvl9pPr>
           </a:lstStyle>
           <a:p>
-            <a:pPr marL="0">
+            <a:pPr marL="0" indent="0">
               <a:spcBef>
                 <a:spcPts val="0"/>
               </a:spcBef>
               <a:spcAft>
                 <a:spcPts val="1600"/>
               </a:spcAft>
+              <a:buNone/>
             </a:pPr>
             <a:r>
-              <a:rPr lang="en-US" sz="2200"/>
-              <a:t>Dopo la fase di formatting e cleaning del dataset, ogni </a:t>
+              <a:rPr lang="en-US" sz="2200" dirty="0"/>
+              <a:t>Dopo la </a:t>
             </a:r>
             <a:r>
-              <a:rPr lang="en-US" sz="2200" b="1"/>
+              <a:rPr lang="en-US" sz="2200" dirty="0" err="1"/>
+              <a:t>fase</a:t>
+            </a:r>
+            <a:r>
+              <a:rPr lang="en-US" sz="2200" dirty="0"/>
+              <a:t> di formatting e cleaning del dataset, </a:t>
+            </a:r>
+            <a:r>
+              <a:rPr lang="en-US" sz="2200" dirty="0" err="1"/>
+              <a:t>ogni</a:t>
+            </a:r>
+            <a:r>
+              <a:rPr lang="en-US" sz="2200" dirty="0"/>
+              <a:t> </a:t>
+            </a:r>
+            <a:r>
+              <a:rPr lang="en-US" sz="2200" b="1" dirty="0" err="1"/>
               <a:t>documento</a:t>
             </a:r>
             <a:r>
-              <a:rPr lang="en-US" sz="2200"/>
-              <a:t> è composto dai seguenti parametri:</a:t>
+              <a:rPr lang="en-US" sz="2200" dirty="0"/>
+              <a:t> è </a:t>
+            </a:r>
+            <a:r>
+              <a:rPr lang="en-US" sz="2200" dirty="0" err="1"/>
+              <a:t>composto</a:t>
+            </a:r>
+            <a:r>
+              <a:rPr lang="en-US" sz="2200" dirty="0"/>
+              <a:t> </a:t>
+            </a:r>
+            <a:r>
+              <a:rPr lang="en-US" sz="2200" dirty="0" err="1"/>
+              <a:t>dai</a:t>
+            </a:r>
+            <a:r>
+              <a:rPr lang="en-US" sz="2200" dirty="0"/>
+              <a:t> </a:t>
+            </a:r>
+            <a:r>
+              <a:rPr lang="en-US" sz="2200" dirty="0" err="1"/>
+              <a:t>seguenti</a:t>
+            </a:r>
+            <a:r>
+              <a:rPr lang="en-US" sz="2200" dirty="0"/>
+              <a:t> </a:t>
+            </a:r>
+            <a:r>
+              <a:rPr lang="en-US" sz="2200" dirty="0" err="1"/>
+              <a:t>parametri</a:t>
+            </a:r>
+            <a:r>
+              <a:rPr lang="en-US" sz="2200" dirty="0"/>
+              <a:t>:</a:t>
             </a:r>
           </a:p>
         </p:txBody>
